--- a/slides/On-Campus/05_03_Wrapperclass.pptx
+++ b/slides/On-Campus/05_03_Wrapperclass.pptx
@@ -148,133 +148,95 @@
 <file path=ppt/changesInfos/changesInfo1.xml><?xml version="1.0" encoding="utf-8"?>
 <pc:chgInfo xmlns:a="http://schemas.openxmlformats.org/drawingml/2006/main" xmlns:r="http://schemas.openxmlformats.org/officeDocument/2006/relationships" xmlns:ac="http://schemas.microsoft.com/office/drawing/2013/main/command" xmlns:pc="http://schemas.microsoft.com/office/powerpoint/2013/main/command">
   <pc:docChgLst>
-    <pc:chgData name="Marcia Moraes" userId="c9c67e8a-58e2-4733-9a1c-5d44fec4775b" providerId="ADAL" clId="{D9BF2F33-B5EF-4372-9E12-010B5C60AB99}"/>
-    <pc:docChg chg="undo custSel addSld modSld modMainMaster">
-      <pc:chgData name="Marcia Moraes" userId="c9c67e8a-58e2-4733-9a1c-5d44fec4775b" providerId="ADAL" clId="{D9BF2F33-B5EF-4372-9E12-010B5C60AB99}" dt="2023-02-15T03:49:19.562" v="253" actId="20577"/>
+    <pc:chgData name="Marcia Moraes" userId="c9c67e8a-58e2-4733-9a1c-5d44fec4775b" providerId="ADAL" clId="{D56C90A3-CBFE-4FE7-94B8-8E0CB561EA07}"/>
+    <pc:docChg chg="undo custSel modSld">
+      <pc:chgData name="Marcia Moraes" userId="c9c67e8a-58e2-4733-9a1c-5d44fec4775b" providerId="ADAL" clId="{D56C90A3-CBFE-4FE7-94B8-8E0CB561EA07}" dt="2023-09-22T19:26:24.024" v="28" actId="14100"/>
       <pc:docMkLst>
         <pc:docMk/>
       </pc:docMkLst>
-      <pc:sldChg chg="addSp delSp modSp">
-        <pc:chgData name="Marcia Moraes" userId="c9c67e8a-58e2-4733-9a1c-5d44fec4775b" providerId="ADAL" clId="{D9BF2F33-B5EF-4372-9E12-010B5C60AB99}" dt="2023-02-15T03:49:19.562" v="253" actId="20577"/>
+      <pc:sldChg chg="addSp delSp modSp delAnim modAnim">
+        <pc:chgData name="Marcia Moraes" userId="c9c67e8a-58e2-4733-9a1c-5d44fec4775b" providerId="ADAL" clId="{D56C90A3-CBFE-4FE7-94B8-8E0CB561EA07}" dt="2023-09-22T19:26:24.024" v="28" actId="14100"/>
         <pc:sldMkLst>
           <pc:docMk/>
-          <pc:sldMk cId="2113302620" sldId="257"/>
+          <pc:sldMk cId="2779551271" sldId="263"/>
         </pc:sldMkLst>
         <pc:spChg chg="mod">
-          <ac:chgData name="Marcia Moraes" userId="c9c67e8a-58e2-4733-9a1c-5d44fec4775b" providerId="ADAL" clId="{D9BF2F33-B5EF-4372-9E12-010B5C60AB99}" dt="2023-02-15T03:42:51.407" v="103" actId="20577"/>
+          <ac:chgData name="Marcia Moraes" userId="c9c67e8a-58e2-4733-9a1c-5d44fec4775b" providerId="ADAL" clId="{D56C90A3-CBFE-4FE7-94B8-8E0CB561EA07}" dt="2023-09-22T19:12:34.654" v="3" actId="1076"/>
           <ac:spMkLst>
             <pc:docMk/>
-            <pc:sldMk cId="2113302620" sldId="257"/>
-            <ac:spMk id="4" creationId="{8338C065-6546-E84F-AE83-39777E32E3C9}"/>
+            <pc:sldMk cId="2779551271" sldId="263"/>
+            <ac:spMk id="6" creationId="{6FE51FEF-FFDE-434E-8375-ABC91BCA3004}"/>
+          </ac:spMkLst>
+        </pc:spChg>
+        <pc:spChg chg="mod">
+          <ac:chgData name="Marcia Moraes" userId="c9c67e8a-58e2-4733-9a1c-5d44fec4775b" providerId="ADAL" clId="{D56C90A3-CBFE-4FE7-94B8-8E0CB561EA07}" dt="2023-09-22T19:26:24.024" v="28" actId="14100"/>
+          <ac:spMkLst>
+            <pc:docMk/>
+            <pc:sldMk cId="2779551271" sldId="263"/>
+            <ac:spMk id="7" creationId="{BA60B285-31C1-CA42-9E5F-8C14D5E05C64}"/>
+          </ac:spMkLst>
+        </pc:spChg>
+        <pc:spChg chg="del mod">
+          <ac:chgData name="Marcia Moraes" userId="c9c67e8a-58e2-4733-9a1c-5d44fec4775b" providerId="ADAL" clId="{D56C90A3-CBFE-4FE7-94B8-8E0CB561EA07}" dt="2023-09-22T19:26:16.081" v="25" actId="478"/>
+          <ac:spMkLst>
+            <pc:docMk/>
+            <pc:sldMk cId="2779551271" sldId="263"/>
+            <ac:spMk id="8" creationId="{BA23D8F4-3C43-A64D-85E0-71FC58E4A1F0}"/>
+          </ac:spMkLst>
+        </pc:spChg>
+        <pc:spChg chg="mod">
+          <ac:chgData name="Marcia Moraes" userId="c9c67e8a-58e2-4733-9a1c-5d44fec4775b" providerId="ADAL" clId="{D56C90A3-CBFE-4FE7-94B8-8E0CB561EA07}" dt="2023-09-22T19:20:30.072" v="8" actId="1076"/>
+          <ac:spMkLst>
+            <pc:docMk/>
+            <pc:sldMk cId="2779551271" sldId="263"/>
+            <ac:spMk id="9" creationId="{90B2B175-A650-4148-AAEC-BD1F947FBDB1}"/>
+          </ac:spMkLst>
+        </pc:spChg>
+        <pc:spChg chg="mod">
+          <ac:chgData name="Marcia Moraes" userId="c9c67e8a-58e2-4733-9a1c-5d44fec4775b" providerId="ADAL" clId="{D56C90A3-CBFE-4FE7-94B8-8E0CB561EA07}" dt="2023-09-22T19:21:48.510" v="18" actId="1076"/>
+          <ac:spMkLst>
+            <pc:docMk/>
+            <pc:sldMk cId="2779551271" sldId="263"/>
+            <ac:spMk id="10" creationId="{8453D2CE-BE14-884A-8987-8C9C14345849}"/>
           </ac:spMkLst>
         </pc:spChg>
         <pc:spChg chg="add mod">
-          <ac:chgData name="Marcia Moraes" userId="c9c67e8a-58e2-4733-9a1c-5d44fec4775b" providerId="ADAL" clId="{D9BF2F33-B5EF-4372-9E12-010B5C60AB99}" dt="2023-02-15T03:49:19.562" v="253" actId="20577"/>
+          <ac:chgData name="Marcia Moraes" userId="c9c67e8a-58e2-4733-9a1c-5d44fec4775b" providerId="ADAL" clId="{D56C90A3-CBFE-4FE7-94B8-8E0CB561EA07}" dt="2023-09-22T19:21:57.474" v="22" actId="20577"/>
           <ac:spMkLst>
             <pc:docMk/>
-            <pc:sldMk cId="2113302620" sldId="257"/>
-            <ac:spMk id="5" creationId="{A56D2076-006A-400B-A188-CB358CC02D7E}"/>
+            <pc:sldMk cId="2779551271" sldId="263"/>
+            <ac:spMk id="16" creationId="{CCCF7F25-655C-4FB1-B099-79C64068F0CC}"/>
           </ac:spMkLst>
         </pc:spChg>
-        <pc:picChg chg="del">
-          <ac:chgData name="Marcia Moraes" userId="c9c67e8a-58e2-4733-9a1c-5d44fec4775b" providerId="ADAL" clId="{D9BF2F33-B5EF-4372-9E12-010B5C60AB99}" dt="2023-02-15T03:42:53.273" v="104" actId="478"/>
-          <ac:picMkLst>
+        <pc:cxnChg chg="mod">
+          <ac:chgData name="Marcia Moraes" userId="c9c67e8a-58e2-4733-9a1c-5d44fec4775b" providerId="ADAL" clId="{D56C90A3-CBFE-4FE7-94B8-8E0CB561EA07}" dt="2023-09-22T19:20:42.145" v="12" actId="1076"/>
+          <ac:cxnSpMkLst>
             <pc:docMk/>
-            <pc:sldMk cId="2113302620" sldId="257"/>
-            <ac:picMk id="16" creationId="{B2DA9DBD-9AB6-6099-F385-FEE72AE403C8}"/>
-          </ac:picMkLst>
-        </pc:picChg>
+            <pc:sldMk cId="2779551271" sldId="263"/>
+            <ac:cxnSpMk id="12" creationId="{88454D15-2B79-8441-BF89-529DE9680A23}"/>
+          </ac:cxnSpMkLst>
+        </pc:cxnChg>
+        <pc:cxnChg chg="mod">
+          <ac:chgData name="Marcia Moraes" userId="c9c67e8a-58e2-4733-9a1c-5d44fec4775b" providerId="ADAL" clId="{D56C90A3-CBFE-4FE7-94B8-8E0CB561EA07}" dt="2023-09-22T19:20:58.688" v="17" actId="14100"/>
+          <ac:cxnSpMkLst>
+            <pc:docMk/>
+            <pc:sldMk cId="2779551271" sldId="263"/>
+            <ac:cxnSpMk id="13" creationId="{D2B7CB8F-EA18-E646-854A-DDDA0B0657FD}"/>
+          </ac:cxnSpMkLst>
+        </pc:cxnChg>
+        <pc:cxnChg chg="mod">
+          <ac:chgData name="Marcia Moraes" userId="c9c67e8a-58e2-4733-9a1c-5d44fec4775b" providerId="ADAL" clId="{D56C90A3-CBFE-4FE7-94B8-8E0CB561EA07}" dt="2023-09-22T19:20:48.478" v="14" actId="13822"/>
+          <ac:cxnSpMkLst>
+            <pc:docMk/>
+            <pc:sldMk cId="2779551271" sldId="263"/>
+            <ac:cxnSpMk id="15" creationId="{9589A151-978C-B749-8964-4794694E5638}"/>
+          </ac:cxnSpMkLst>
+        </pc:cxnChg>
       </pc:sldChg>
-      <pc:sldChg chg="addSp delSp modSp">
-        <pc:chgData name="Marcia Moraes" userId="c9c67e8a-58e2-4733-9a1c-5d44fec4775b" providerId="ADAL" clId="{D9BF2F33-B5EF-4372-9E12-010B5C60AB99}" dt="2023-02-15T03:48:35.228" v="228" actId="255"/>
-        <pc:sldMkLst>
-          <pc:docMk/>
-          <pc:sldMk cId="926474781" sldId="268"/>
-        </pc:sldMkLst>
-        <pc:spChg chg="add mod">
-          <ac:chgData name="Marcia Moraes" userId="c9c67e8a-58e2-4733-9a1c-5d44fec4775b" providerId="ADAL" clId="{D9BF2F33-B5EF-4372-9E12-010B5C60AB99}" dt="2023-02-15T03:48:35.228" v="228" actId="255"/>
-          <ac:spMkLst>
-            <pc:docMk/>
-            <pc:sldMk cId="926474781" sldId="268"/>
-            <ac:spMk id="2" creationId="{05CD00A8-A4FA-4E9B-9199-C0E207B0496C}"/>
-          </ac:spMkLst>
-        </pc:spChg>
-        <pc:picChg chg="del">
-          <ac:chgData name="Marcia Moraes" userId="c9c67e8a-58e2-4733-9a1c-5d44fec4775b" providerId="ADAL" clId="{D9BF2F33-B5EF-4372-9E12-010B5C60AB99}" dt="2023-02-15T03:47:03.210" v="218" actId="478"/>
-          <ac:picMkLst>
-            <pc:docMk/>
-            <pc:sldMk cId="926474781" sldId="268"/>
-            <ac:picMk id="1026" creationId="{DA612CDB-7069-46EB-A08E-5C3498DE9344}"/>
-          </ac:picMkLst>
-        </pc:picChg>
-        <pc:picChg chg="add mod">
-          <ac:chgData name="Marcia Moraes" userId="c9c67e8a-58e2-4733-9a1c-5d44fec4775b" providerId="ADAL" clId="{D9BF2F33-B5EF-4372-9E12-010B5C60AB99}" dt="2023-02-15T03:47:10.605" v="221" actId="1076"/>
-          <ac:picMkLst>
-            <pc:docMk/>
-            <pc:sldMk cId="926474781" sldId="268"/>
-            <ac:picMk id="3074" creationId="{7D3047CB-C030-4D04-9C55-CE5202278312}"/>
-          </ac:picMkLst>
-        </pc:picChg>
-      </pc:sldChg>
-      <pc:sldChg chg="add">
-        <pc:chgData name="Marcia Moraes" userId="c9c67e8a-58e2-4733-9a1c-5d44fec4775b" providerId="ADAL" clId="{D9BF2F33-B5EF-4372-9E12-010B5C60AB99}" dt="2023-02-15T03:42:40.940" v="74"/>
-        <pc:sldMkLst>
-          <pc:docMk/>
-          <pc:sldMk cId="1042582438" sldId="269"/>
-        </pc:sldMkLst>
-      </pc:sldChg>
-      <pc:sldMasterChg chg="modSldLayout">
-        <pc:chgData name="Marcia Moraes" userId="c9c67e8a-58e2-4733-9a1c-5d44fec4775b" providerId="ADAL" clId="{D9BF2F33-B5EF-4372-9E12-010B5C60AB99}" dt="2023-02-15T03:42:22.077" v="73" actId="20577"/>
-        <pc:sldMasterMkLst>
-          <pc:docMk/>
-          <pc:sldMasterMk cId="3965733437" sldId="2147483648"/>
-        </pc:sldMasterMkLst>
-        <pc:sldLayoutChg chg="modSp">
-          <pc:chgData name="Marcia Moraes" userId="c9c67e8a-58e2-4733-9a1c-5d44fec4775b" providerId="ADAL" clId="{D9BF2F33-B5EF-4372-9E12-010B5C60AB99}" dt="2023-02-15T03:42:22.077" v="73" actId="20577"/>
-          <pc:sldLayoutMkLst>
-            <pc:docMk/>
-            <pc:sldMasterMk cId="3965733437" sldId="2147483648"/>
-            <pc:sldLayoutMk cId="0" sldId="2147483689"/>
-          </pc:sldLayoutMkLst>
-          <pc:spChg chg="mod">
-            <ac:chgData name="Marcia Moraes" userId="c9c67e8a-58e2-4733-9a1c-5d44fec4775b" providerId="ADAL" clId="{D9BF2F33-B5EF-4372-9E12-010B5C60AB99}" dt="2023-02-15T03:41:53.882" v="1" actId="1076"/>
-            <ac:spMkLst>
-              <pc:docMk/>
-              <pc:sldMasterMk cId="3965733437" sldId="2147483648"/>
-              <pc:sldLayoutMk cId="0" sldId="2147483689"/>
-              <ac:spMk id="9" creationId="{518974DB-51D0-2C49-9088-48CE2D84AB1C}"/>
-            </ac:spMkLst>
-          </pc:spChg>
-          <pc:spChg chg="mod">
-            <ac:chgData name="Marcia Moraes" userId="c9c67e8a-58e2-4733-9a1c-5d44fec4775b" providerId="ADAL" clId="{D9BF2F33-B5EF-4372-9E12-010B5C60AB99}" dt="2023-02-15T03:42:22.077" v="73" actId="20577"/>
-            <ac:spMkLst>
-              <pc:docMk/>
-              <pc:sldMasterMk cId="3965733437" sldId="2147483648"/>
-              <pc:sldLayoutMk cId="0" sldId="2147483689"/>
-              <ac:spMk id="11" creationId="{F621E987-BD36-AF48-B11C-CC4BAD65092F}"/>
-            </ac:spMkLst>
-          </pc:spChg>
-          <pc:picChg chg="mod">
-            <ac:chgData name="Marcia Moraes" userId="c9c67e8a-58e2-4733-9a1c-5d44fec4775b" providerId="ADAL" clId="{D9BF2F33-B5EF-4372-9E12-010B5C60AB99}" dt="2023-02-15T03:41:54.492" v="2" actId="1076"/>
-            <ac:picMkLst>
-              <pc:docMk/>
-              <pc:sldMasterMk cId="3965733437" sldId="2147483648"/>
-              <pc:sldLayoutMk cId="0" sldId="2147483689"/>
-              <ac:picMk id="5" creationId="{00000000-0000-0000-0000-000000000000}"/>
-            </ac:picMkLst>
-          </pc:picChg>
-          <pc:picChg chg="mod">
-            <ac:chgData name="Marcia Moraes" userId="c9c67e8a-58e2-4733-9a1c-5d44fec4775b" providerId="ADAL" clId="{D9BF2F33-B5EF-4372-9E12-010B5C60AB99}" dt="2023-02-15T03:41:51.921" v="0" actId="1076"/>
-            <ac:picMkLst>
-              <pc:docMk/>
-              <pc:sldMasterMk cId="3965733437" sldId="2147483648"/>
-              <pc:sldLayoutMk cId="0" sldId="2147483689"/>
-              <ac:picMk id="7" creationId="{00000000-0000-0000-0000-000000000000}"/>
-            </ac:picMkLst>
-          </pc:picChg>
-        </pc:sldLayoutChg>
-      </pc:sldMasterChg>
     </pc:docChg>
+  </pc:docChgLst>
+  <pc:docChgLst>
+    <pc:chgData name="Marcia Moraes" userId="c9c67e8a-58e2-4733-9a1c-5d44fec4775b" providerId="ADAL" clId="{D9BF2F33-B5EF-4372-9E12-010B5C60AB99}"/>
   </pc:docChgLst>
 </pc:chgInfo>
 </file>
@@ -361,7 +323,7 @@
           <a:p>
             <a:fld id="{4D7E51A5-B478-1E40-8CBB-0DAA8831E99D}" type="datetimeFigureOut">
               <a:rPr lang="en-US" smtClean="0"/>
-              <a:t>2/14/2023</a:t>
+              <a:t>9/22/2023</a:t>
             </a:fld>
             <a:endParaRPr lang="en-US"/>
           </a:p>
@@ -526,7 +488,7 @@
           <a:p>
             <a:fld id="{D0ED587F-861E-6740-9643-E3DDAE89B8D6}" type="datetimeFigureOut">
               <a:rPr lang="en-US" smtClean="0"/>
-              <a:t>2/14/2023</a:t>
+              <a:t>9/22/2023</a:t>
             </a:fld>
             <a:endParaRPr lang="en-US"/>
           </a:p>
@@ -9411,8 +9373,8 @@
         </p:nvSpPr>
         <p:spPr>
           <a:xfrm>
-            <a:off x="1976467" y="2693432"/>
-            <a:ext cx="4608576" cy="3108543"/>
+            <a:off x="333228" y="2288086"/>
+            <a:ext cx="9976047" cy="4893647"/>
           </a:xfrm>
           <a:prstGeom prst="rect">
             <a:avLst/>
@@ -9428,7 +9390,7 @@
           <a:lstStyle/>
           <a:p>
             <a:r>
-              <a:rPr lang="en-US" sz="1400" dirty="0">
+              <a:rPr lang="en-US" sz="2400" dirty="0">
                 <a:latin typeface="Consolas" panose="020B0609020204030204" pitchFamily="49" charset="0"/>
                 <a:cs typeface="Consolas" panose="020B0609020204030204" pitchFamily="49" charset="0"/>
               </a:rPr>
@@ -9437,7 +9399,7 @@
           </a:p>
           <a:p>
             <a:r>
-              <a:rPr lang="en-US" sz="1400" dirty="0">
+              <a:rPr lang="en-US" sz="2400" dirty="0">
                 <a:latin typeface="Consolas" panose="020B0609020204030204" pitchFamily="49" charset="0"/>
                 <a:cs typeface="Consolas" panose="020B0609020204030204" pitchFamily="49" charset="0"/>
               </a:rPr>
@@ -9446,21 +9408,21 @@
           </a:p>
           <a:p>
             <a:r>
-              <a:rPr lang="en-US" sz="1400" dirty="0">
+              <a:rPr lang="en-US" sz="2400" dirty="0">
                 <a:latin typeface="Consolas" panose="020B0609020204030204" pitchFamily="49" charset="0"/>
                 <a:cs typeface="Consolas" panose="020B0609020204030204" pitchFamily="49" charset="0"/>
               </a:rPr>
               <a:t>String </a:t>
             </a:r>
             <a:r>
-              <a:rPr lang="en-US" sz="1400" dirty="0" err="1">
+              <a:rPr lang="en-US" sz="2400" dirty="0" err="1">
                 <a:latin typeface="Consolas" panose="020B0609020204030204" pitchFamily="49" charset="0"/>
                 <a:cs typeface="Consolas" panose="020B0609020204030204" pitchFamily="49" charset="0"/>
               </a:rPr>
               <a:t>nospace</a:t>
             </a:r>
             <a:r>
-              <a:rPr lang="en-US" sz="1400" dirty="0">
+              <a:rPr lang="en-US" sz="2400" dirty="0">
                 <a:latin typeface="Consolas" panose="020B0609020204030204" pitchFamily="49" charset="0"/>
                 <a:cs typeface="Consolas" panose="020B0609020204030204" pitchFamily="49" charset="0"/>
               </a:rPr>
@@ -9469,63 +9431,63 @@
           </a:p>
           <a:p>
             <a:r>
-              <a:rPr lang="en-US" sz="1400" dirty="0">
+              <a:rPr lang="en-US" sz="2400" dirty="0">
                 <a:latin typeface="Consolas" panose="020B0609020204030204" pitchFamily="49" charset="0"/>
                 <a:cs typeface="Consolas" panose="020B0609020204030204" pitchFamily="49" charset="0"/>
               </a:rPr>
               <a:t>for(int </a:t>
             </a:r>
             <a:r>
-              <a:rPr lang="en-US" sz="1400" dirty="0" err="1">
+              <a:rPr lang="en-US" sz="2400" dirty="0" err="1">
                 <a:latin typeface="Consolas" panose="020B0609020204030204" pitchFamily="49" charset="0"/>
                 <a:cs typeface="Consolas" panose="020B0609020204030204" pitchFamily="49" charset="0"/>
               </a:rPr>
               <a:t>i</a:t>
             </a:r>
             <a:r>
-              <a:rPr lang="en-US" sz="1400" dirty="0">
+              <a:rPr lang="en-US" sz="2400" dirty="0">
                 <a:latin typeface="Consolas" panose="020B0609020204030204" pitchFamily="49" charset="0"/>
                 <a:cs typeface="Consolas" panose="020B0609020204030204" pitchFamily="49" charset="0"/>
               </a:rPr>
               <a:t> = 0; </a:t>
             </a:r>
             <a:r>
-              <a:rPr lang="en-US" sz="1400" dirty="0" err="1">
+              <a:rPr lang="en-US" sz="2400" dirty="0" err="1">
                 <a:latin typeface="Consolas" panose="020B0609020204030204" pitchFamily="49" charset="0"/>
                 <a:cs typeface="Consolas" panose="020B0609020204030204" pitchFamily="49" charset="0"/>
               </a:rPr>
               <a:t>i</a:t>
             </a:r>
             <a:r>
-              <a:rPr lang="en-US" sz="1400" dirty="0">
+              <a:rPr lang="en-US" sz="2400" dirty="0">
                 <a:latin typeface="Consolas" panose="020B0609020204030204" pitchFamily="49" charset="0"/>
                 <a:cs typeface="Consolas" panose="020B0609020204030204" pitchFamily="49" charset="0"/>
               </a:rPr>
               <a:t> &lt; </a:t>
             </a:r>
             <a:r>
-              <a:rPr lang="en-US" sz="1400" dirty="0" err="1">
+              <a:rPr lang="en-US" sz="2400" dirty="0" err="1">
                 <a:latin typeface="Consolas" panose="020B0609020204030204" pitchFamily="49" charset="0"/>
                 <a:cs typeface="Consolas" panose="020B0609020204030204" pitchFamily="49" charset="0"/>
               </a:rPr>
               <a:t>str.length</a:t>
             </a:r>
             <a:r>
-              <a:rPr lang="en-US" sz="1400" dirty="0">
+              <a:rPr lang="en-US" sz="2400" dirty="0">
                 <a:latin typeface="Consolas" panose="020B0609020204030204" pitchFamily="49" charset="0"/>
                 <a:cs typeface="Consolas" panose="020B0609020204030204" pitchFamily="49" charset="0"/>
               </a:rPr>
               <a:t>(); </a:t>
             </a:r>
             <a:r>
-              <a:rPr lang="en-US" sz="1400" dirty="0" err="1">
+              <a:rPr lang="en-US" sz="2400" dirty="0" err="1">
                 <a:latin typeface="Consolas" panose="020B0609020204030204" pitchFamily="49" charset="0"/>
                 <a:cs typeface="Consolas" panose="020B0609020204030204" pitchFamily="49" charset="0"/>
               </a:rPr>
               <a:t>i</a:t>
             </a:r>
             <a:r>
-              <a:rPr lang="en-US" sz="1400" dirty="0">
+              <a:rPr lang="en-US" sz="2400" dirty="0">
                 <a:latin typeface="Consolas" panose="020B0609020204030204" pitchFamily="49" charset="0"/>
                 <a:cs typeface="Consolas" panose="020B0609020204030204" pitchFamily="49" charset="0"/>
               </a:rPr>
@@ -9534,49 +9496,49 @@
           </a:p>
           <a:p>
             <a:r>
-              <a:rPr lang="en-US" sz="1400" dirty="0">
+              <a:rPr lang="en-US" sz="2400" dirty="0">
                 <a:latin typeface="Consolas" panose="020B0609020204030204" pitchFamily="49" charset="0"/>
                 <a:cs typeface="Consolas" panose="020B0609020204030204" pitchFamily="49" charset="0"/>
               </a:rPr>
               <a:t>   char </a:t>
             </a:r>
             <a:r>
-              <a:rPr lang="en-US" sz="1400" dirty="0" err="1">
+              <a:rPr lang="en-US" sz="2400" dirty="0" err="1">
                 <a:latin typeface="Consolas" panose="020B0609020204030204" pitchFamily="49" charset="0"/>
                 <a:cs typeface="Consolas" panose="020B0609020204030204" pitchFamily="49" charset="0"/>
               </a:rPr>
               <a:t>tmp</a:t>
             </a:r>
             <a:r>
-              <a:rPr lang="en-US" sz="1400" dirty="0">
+              <a:rPr lang="en-US" sz="2400" dirty="0">
                 <a:latin typeface="Consolas" panose="020B0609020204030204" pitchFamily="49" charset="0"/>
                 <a:cs typeface="Consolas" panose="020B0609020204030204" pitchFamily="49" charset="0"/>
               </a:rPr>
               <a:t> = </a:t>
             </a:r>
             <a:r>
-              <a:rPr lang="en-US" sz="1400" dirty="0" err="1">
+              <a:rPr lang="en-US" sz="2400" dirty="0" err="1">
                 <a:latin typeface="Consolas" panose="020B0609020204030204" pitchFamily="49" charset="0"/>
                 <a:cs typeface="Consolas" panose="020B0609020204030204" pitchFamily="49" charset="0"/>
               </a:rPr>
               <a:t>str.charAt</a:t>
             </a:r>
             <a:r>
-              <a:rPr lang="en-US" sz="1400" dirty="0">
+              <a:rPr lang="en-US" sz="2400" dirty="0">
                 <a:latin typeface="Consolas" panose="020B0609020204030204" pitchFamily="49" charset="0"/>
                 <a:cs typeface="Consolas" panose="020B0609020204030204" pitchFamily="49" charset="0"/>
               </a:rPr>
               <a:t>(</a:t>
             </a:r>
             <a:r>
-              <a:rPr lang="en-US" sz="1400" dirty="0" err="1">
+              <a:rPr lang="en-US" sz="2400" dirty="0" err="1">
                 <a:latin typeface="Consolas" panose="020B0609020204030204" pitchFamily="49" charset="0"/>
                 <a:cs typeface="Consolas" panose="020B0609020204030204" pitchFamily="49" charset="0"/>
               </a:rPr>
               <a:t>i</a:t>
             </a:r>
             <a:r>
-              <a:rPr lang="en-US" sz="1400" dirty="0">
+              <a:rPr lang="en-US" sz="2400" dirty="0">
                 <a:latin typeface="Consolas" panose="020B0609020204030204" pitchFamily="49" charset="0"/>
                 <a:cs typeface="Consolas" panose="020B0609020204030204" pitchFamily="49" charset="0"/>
               </a:rPr>
@@ -9585,35 +9547,35 @@
           </a:p>
           <a:p>
             <a:r>
-              <a:rPr lang="en-US" sz="1400" dirty="0">
+              <a:rPr lang="en-US" sz="2400" dirty="0">
                 <a:latin typeface="Consolas" panose="020B0609020204030204" pitchFamily="49" charset="0"/>
                 <a:cs typeface="Consolas" panose="020B0609020204030204" pitchFamily="49" charset="0"/>
               </a:rPr>
               <a:t>   if(</a:t>
             </a:r>
             <a:r>
-              <a:rPr lang="en-US" sz="1400" dirty="0" err="1">
+              <a:rPr lang="en-US" sz="2400" dirty="0" err="1">
                 <a:latin typeface="Consolas" panose="020B0609020204030204" pitchFamily="49" charset="0"/>
                 <a:cs typeface="Consolas" panose="020B0609020204030204" pitchFamily="49" charset="0"/>
               </a:rPr>
               <a:t>Character.isWhitespace</a:t>
             </a:r>
             <a:r>
-              <a:rPr lang="en-US" sz="1400" dirty="0">
+              <a:rPr lang="en-US" sz="2400" dirty="0">
                 <a:latin typeface="Consolas" panose="020B0609020204030204" pitchFamily="49" charset="0"/>
                 <a:cs typeface="Consolas" panose="020B0609020204030204" pitchFamily="49" charset="0"/>
               </a:rPr>
               <a:t>(</a:t>
             </a:r>
             <a:r>
-              <a:rPr lang="en-US" sz="1400" dirty="0" err="1">
+              <a:rPr lang="en-US" sz="2400" dirty="0" err="1">
                 <a:latin typeface="Consolas" panose="020B0609020204030204" pitchFamily="49" charset="0"/>
                 <a:cs typeface="Consolas" panose="020B0609020204030204" pitchFamily="49" charset="0"/>
               </a:rPr>
               <a:t>tmp</a:t>
             </a:r>
             <a:r>
-              <a:rPr lang="en-US" sz="1400" dirty="0">
+              <a:rPr lang="en-US" sz="2400" dirty="0">
                 <a:latin typeface="Consolas" panose="020B0609020204030204" pitchFamily="49" charset="0"/>
                 <a:cs typeface="Consolas" panose="020B0609020204030204" pitchFamily="49" charset="0"/>
               </a:rPr>
@@ -9622,7 +9584,7 @@
           </a:p>
           <a:p>
             <a:r>
-              <a:rPr lang="en-US" sz="1400" dirty="0">
+              <a:rPr lang="en-US" sz="2400" dirty="0">
                 <a:latin typeface="Consolas" panose="020B0609020204030204" pitchFamily="49" charset="0"/>
                 <a:cs typeface="Consolas" panose="020B0609020204030204" pitchFamily="49" charset="0"/>
               </a:rPr>
@@ -9631,7 +9593,7 @@
           </a:p>
           <a:p>
             <a:r>
-              <a:rPr lang="en-US" sz="1400" dirty="0">
+              <a:rPr lang="en-US" sz="2400" dirty="0">
                 <a:latin typeface="Consolas" panose="020B0609020204030204" pitchFamily="49" charset="0"/>
                 <a:cs typeface="Consolas" panose="020B0609020204030204" pitchFamily="49" charset="0"/>
               </a:rPr>
@@ -9640,35 +9602,35 @@
           </a:p>
           <a:p>
             <a:r>
-              <a:rPr lang="en-US" sz="1400" dirty="0">
+              <a:rPr lang="en-US" sz="2400" dirty="0">
                 <a:latin typeface="Consolas" panose="020B0609020204030204" pitchFamily="49" charset="0"/>
                 <a:cs typeface="Consolas" panose="020B0609020204030204" pitchFamily="49" charset="0"/>
               </a:rPr>
               <a:t>      </a:t>
             </a:r>
             <a:r>
-              <a:rPr lang="en-US" sz="1400" dirty="0" err="1">
+              <a:rPr lang="en-US" sz="2400" dirty="0" err="1">
                 <a:latin typeface="Consolas" panose="020B0609020204030204" pitchFamily="49" charset="0"/>
                 <a:cs typeface="Consolas" panose="020B0609020204030204" pitchFamily="49" charset="0"/>
               </a:rPr>
               <a:t>nospace</a:t>
             </a:r>
             <a:r>
-              <a:rPr lang="en-US" sz="1400" dirty="0">
+              <a:rPr lang="en-US" sz="2400" dirty="0">
                 <a:latin typeface="Consolas" panose="020B0609020204030204" pitchFamily="49" charset="0"/>
                 <a:cs typeface="Consolas" panose="020B0609020204030204" pitchFamily="49" charset="0"/>
               </a:rPr>
               <a:t> += </a:t>
             </a:r>
             <a:r>
-              <a:rPr lang="en-US" sz="1400" dirty="0" err="1">
+              <a:rPr lang="en-US" sz="2400" dirty="0" err="1">
                 <a:latin typeface="Consolas" panose="020B0609020204030204" pitchFamily="49" charset="0"/>
                 <a:cs typeface="Consolas" panose="020B0609020204030204" pitchFamily="49" charset="0"/>
               </a:rPr>
               <a:t>tmp</a:t>
             </a:r>
             <a:r>
-              <a:rPr lang="en-US" sz="1400" dirty="0">
+              <a:rPr lang="en-US" sz="2400" dirty="0">
                 <a:latin typeface="Consolas" panose="020B0609020204030204" pitchFamily="49" charset="0"/>
                 <a:cs typeface="Consolas" panose="020B0609020204030204" pitchFamily="49" charset="0"/>
               </a:rPr>
@@ -9677,7 +9639,7 @@
           </a:p>
           <a:p>
             <a:r>
-              <a:rPr lang="en-US" sz="1400" dirty="0">
+              <a:rPr lang="en-US" sz="2400" dirty="0">
                 <a:latin typeface="Consolas" panose="020B0609020204030204" pitchFamily="49" charset="0"/>
                 <a:cs typeface="Consolas" panose="020B0609020204030204" pitchFamily="49" charset="0"/>
               </a:rPr>
@@ -9686,7 +9648,7 @@
           </a:p>
           <a:p>
             <a:r>
-              <a:rPr lang="en-US" sz="1400" dirty="0">
+              <a:rPr lang="en-US" sz="2400" dirty="0">
                 <a:latin typeface="Consolas" panose="020B0609020204030204" pitchFamily="49" charset="0"/>
                 <a:cs typeface="Consolas" panose="020B0609020204030204" pitchFamily="49" charset="0"/>
               </a:rPr>
@@ -9695,28 +9657,28 @@
           </a:p>
           <a:p>
             <a:r>
-              <a:rPr lang="en-US" sz="1400" dirty="0" err="1">
+              <a:rPr lang="en-US" sz="2400" dirty="0" err="1">
                 <a:latin typeface="Consolas" panose="020B0609020204030204" pitchFamily="49" charset="0"/>
                 <a:cs typeface="Consolas" panose="020B0609020204030204" pitchFamily="49" charset="0"/>
               </a:rPr>
               <a:t>System.out.println</a:t>
             </a:r>
             <a:r>
-              <a:rPr lang="en-US" sz="1400" dirty="0">
+              <a:rPr lang="en-US" sz="2400" dirty="0">
                 <a:latin typeface="Consolas" panose="020B0609020204030204" pitchFamily="49" charset="0"/>
                 <a:cs typeface="Consolas" panose="020B0609020204030204" pitchFamily="49" charset="0"/>
               </a:rPr>
               <a:t>(</a:t>
             </a:r>
             <a:r>
-              <a:rPr lang="en-US" sz="1400" dirty="0" err="1">
+              <a:rPr lang="en-US" sz="2400" dirty="0" err="1">
                 <a:latin typeface="Consolas" panose="020B0609020204030204" pitchFamily="49" charset="0"/>
                 <a:cs typeface="Consolas" panose="020B0609020204030204" pitchFamily="49" charset="0"/>
               </a:rPr>
               <a:t>nospace</a:t>
             </a:r>
             <a:r>
-              <a:rPr lang="en-US" sz="1400" dirty="0">
+              <a:rPr lang="en-US" sz="2400" dirty="0">
                 <a:latin typeface="Consolas" panose="020B0609020204030204" pitchFamily="49" charset="0"/>
                 <a:cs typeface="Consolas" panose="020B0609020204030204" pitchFamily="49" charset="0"/>
               </a:rPr>
@@ -9725,28 +9687,28 @@
           </a:p>
           <a:p>
             <a:r>
-              <a:rPr lang="en-US" sz="1400" dirty="0" err="1">
+              <a:rPr lang="en-US" sz="2400" dirty="0" err="1">
                 <a:latin typeface="Consolas" panose="020B0609020204030204" pitchFamily="49" charset="0"/>
                 <a:cs typeface="Consolas" panose="020B0609020204030204" pitchFamily="49" charset="0"/>
               </a:rPr>
               <a:t>System.out.printf</a:t>
             </a:r>
             <a:r>
-              <a:rPr lang="en-US" sz="1400" dirty="0">
+              <a:rPr lang="en-US" sz="2400" dirty="0">
                 <a:latin typeface="Consolas" panose="020B0609020204030204" pitchFamily="49" charset="0"/>
                 <a:cs typeface="Consolas" panose="020B0609020204030204" pitchFamily="49" charset="0"/>
               </a:rPr>
               <a:t>(“Whitespace removed %</a:t>
             </a:r>
             <a:r>
-              <a:rPr lang="en-US" sz="1400" dirty="0" err="1">
+              <a:rPr lang="en-US" sz="2400" dirty="0" err="1">
                 <a:latin typeface="Consolas" panose="020B0609020204030204" pitchFamily="49" charset="0"/>
                 <a:cs typeface="Consolas" panose="020B0609020204030204" pitchFamily="49" charset="0"/>
               </a:rPr>
               <a:t>d%n</a:t>
             </a:r>
             <a:r>
-              <a:rPr lang="en-US" sz="1400" dirty="0">
+              <a:rPr lang="en-US" sz="2400" dirty="0">
                 <a:latin typeface="Consolas" panose="020B0609020204030204" pitchFamily="49" charset="0"/>
                 <a:cs typeface="Consolas" panose="020B0609020204030204" pitchFamily="49" charset="0"/>
               </a:rPr>
@@ -9769,8 +9731,8 @@
         </p:nvSpPr>
         <p:spPr>
           <a:xfrm>
-            <a:off x="2976211" y="5801975"/>
-            <a:ext cx="2609088" cy="646331"/>
+            <a:off x="9557657" y="906407"/>
+            <a:ext cx="3631868" cy="830997"/>
           </a:xfrm>
           <a:prstGeom prst="rect">
             <a:avLst/>
@@ -9786,20 +9748,20 @@
           <a:lstStyle/>
           <a:p>
             <a:r>
-              <a:rPr lang="en-US" sz="1800" dirty="0" err="1">
+              <a:rPr lang="en-US" sz="2400" dirty="0" err="1">
                 <a:latin typeface="Microsoft Sans Serif" panose="020B0604020202020204" pitchFamily="34" charset="0"/>
                 <a:cs typeface="Microsoft Sans Serif" panose="020B0604020202020204" pitchFamily="34" charset="0"/>
               </a:rPr>
               <a:t>hellohowareyou</a:t>
             </a:r>
-            <a:endParaRPr lang="en-US" sz="1800" dirty="0">
+            <a:endParaRPr lang="en-US" sz="2400" dirty="0">
               <a:latin typeface="Microsoft Sans Serif" panose="020B0604020202020204" pitchFamily="34" charset="0"/>
               <a:cs typeface="Microsoft Sans Serif" panose="020B0604020202020204" pitchFamily="34" charset="0"/>
             </a:endParaRPr>
           </a:p>
           <a:p>
             <a:r>
-              <a:rPr lang="en-US" sz="1800" dirty="0">
+              <a:rPr lang="en-US" sz="2400" dirty="0">
                 <a:latin typeface="Microsoft Sans Serif" panose="020B0604020202020204" pitchFamily="34" charset="0"/>
                 <a:cs typeface="Microsoft Sans Serif" panose="020B0604020202020204" pitchFamily="34" charset="0"/>
               </a:rPr>
@@ -9822,7 +9784,7 @@
         </p:nvSpPr>
         <p:spPr>
           <a:xfrm>
-            <a:off x="3817007" y="2042510"/>
+            <a:off x="3583382" y="1519260"/>
             <a:ext cx="463748" cy="650922"/>
           </a:xfrm>
           <a:prstGeom prst="downArrow">
@@ -9880,7 +9842,7 @@
         </p:nvSpPr>
         <p:spPr>
           <a:xfrm>
-            <a:off x="4663223" y="2042510"/>
+            <a:off x="5194501" y="1537270"/>
             <a:ext cx="463748" cy="650922"/>
           </a:xfrm>
           <a:prstGeom prst="downArrow">
@@ -9933,13 +9895,15 @@
               </a:ext>
             </a:extLst>
           </p:cNvPr>
-          <p:cNvCxnSpPr/>
+          <p:cNvCxnSpPr>
+            <a:cxnSpLocks/>
+          </p:cNvCxnSpPr>
           <p:nvPr/>
         </p:nvCxnSpPr>
         <p:spPr>
           <a:xfrm>
-            <a:off x="3817007" y="4099910"/>
-            <a:ext cx="1587500" cy="0"/>
+            <a:off x="2759342" y="4099910"/>
+            <a:ext cx="2552450" cy="0"/>
           </a:xfrm>
           <a:prstGeom prst="line">
             <a:avLst/>
@@ -9974,13 +9938,15 @@
               </a:ext>
             </a:extLst>
           </p:cNvPr>
-          <p:cNvCxnSpPr/>
+          <p:cNvCxnSpPr>
+            <a:cxnSpLocks/>
+          </p:cNvCxnSpPr>
           <p:nvPr/>
         </p:nvCxnSpPr>
         <p:spPr>
           <a:xfrm>
-            <a:off x="2597807" y="4734910"/>
-            <a:ext cx="1587500" cy="0"/>
+            <a:off x="1567543" y="4571624"/>
+            <a:ext cx="4408714" cy="0"/>
           </a:xfrm>
           <a:prstGeom prst="line">
             <a:avLst/>
@@ -10022,8 +9988,8 @@
         </p:nvCxnSpPr>
         <p:spPr>
           <a:xfrm flipH="1">
-            <a:off x="4895097" y="3718910"/>
-            <a:ext cx="852310" cy="0"/>
+            <a:off x="3528744" y="3886089"/>
+            <a:ext cx="2164025" cy="0"/>
           </a:xfrm>
           <a:prstGeom prst="straightConnector1">
             <a:avLst/>
@@ -10052,46 +10018,59 @@
       </p:cxnSp>
       <p:sp>
         <p:nvSpPr>
-          <p:cNvPr id="8" name="TextBox 7">
+          <p:cNvPr id="16" name="Down Arrow 9">
             <a:extLst>
               <a:ext uri="{FF2B5EF4-FFF2-40B4-BE49-F238E27FC236}">
-                <a16:creationId xmlns:a16="http://schemas.microsoft.com/office/drawing/2014/main" id="{BA23D8F4-3C43-A64D-85E0-71FC58E4A1F0}"/>
+                <a16:creationId xmlns:a16="http://schemas.microsoft.com/office/drawing/2014/main" id="{CCCF7F25-655C-4FB1-B099-79C64068F0CC}"/>
               </a:ext>
             </a:extLst>
           </p:cNvPr>
-          <p:cNvSpPr txBox="1"/>
+          <p:cNvSpPr/>
           <p:nvPr/>
         </p:nvSpPr>
         <p:spPr>
           <a:xfrm>
-            <a:off x="9207062" y="2207084"/>
-            <a:ext cx="3815255" cy="461665"/>
+            <a:off x="4378882" y="1490912"/>
+            <a:ext cx="463748" cy="650922"/>
           </a:xfrm>
-          <a:prstGeom prst="rect">
+          <a:prstGeom prst="downArrow">
             <a:avLst/>
           </a:prstGeom>
           <a:solidFill>
-            <a:schemeClr val="accent6">
-              <a:lumMod val="20000"/>
-              <a:lumOff val="80000"/>
-            </a:schemeClr>
+            <a:schemeClr val="tx2"/>
           </a:solidFill>
+          <a:ln>
+            <a:noFill/>
+          </a:ln>
+          <a:effectLst/>
         </p:spPr>
+        <p:style>
+          <a:lnRef idx="1">
+            <a:schemeClr val="accent1"/>
+          </a:lnRef>
+          <a:fillRef idx="3">
+            <a:schemeClr val="accent1"/>
+          </a:fillRef>
+          <a:effectRef idx="2">
+            <a:schemeClr val="accent1"/>
+          </a:effectRef>
+          <a:fontRef idx="minor">
+            <a:schemeClr val="lt1"/>
+          </a:fontRef>
+        </p:style>
         <p:txBody>
-          <a:bodyPr wrap="square" rtlCol="0">
-            <a:spAutoFit/>
-          </a:bodyPr>
+          <a:bodyPr lIns="274320" tIns="182880" rIns="274320" bIns="182880" rtlCol="0" anchor="ctr"/>
           <a:lstStyle/>
           <a:p>
-            <a:r>
-              <a:rPr lang="en-US" sz="2400" dirty="0"/>
-              <a:t>Do the In </a:t>
-            </a:r>
-            <a:r>
-              <a:rPr lang="en-US" sz="2400"/>
-              <a:t>Class Activity.</a:t>
-            </a:r>
-            <a:endParaRPr lang="en-US" sz="2400" dirty="0"/>
+            <a:pPr algn="ctr"/>
+            <a:r>
+              <a:rPr lang="en-US" dirty="0">
+                <a:latin typeface="Proxima Nova" charset="0"/>
+                <a:ea typeface="Proxima Nova" charset="0"/>
+                <a:cs typeface="Proxima Nova" charset="0"/>
+              </a:rPr>
+              <a:t>1</a:t>
+            </a:r>
           </a:p>
         </p:txBody>
       </p:sp>
@@ -10186,6 +10165,41 @@
                                           </p:stCondLst>
                                         </p:cTn>
                                         <p:tgtEl>
+                                          <p:spTgt spid="16"/>
+                                        </p:tgtEl>
+                                        <p:attrNameLst>
+                                          <p:attrName>style.visibility</p:attrName>
+                                        </p:attrNameLst>
+                                      </p:cBhvr>
+                                      <p:to>
+                                        <p:strVal val="visible"/>
+                                      </p:to>
+                                    </p:set>
+                                    <p:animEffect transition="in" filter="dissolve">
+                                      <p:cBhvr>
+                                        <p:cTn id="10" dur="500"/>
+                                        <p:tgtEl>
+                                          <p:spTgt spid="16"/>
+                                        </p:tgtEl>
+                                      </p:cBhvr>
+                                    </p:animEffect>
+                                  </p:childTnLst>
+                                </p:cTn>
+                              </p:par>
+                              <p:par>
+                                <p:cTn id="11" presetID="9" presetClass="entr" presetSubtype="0" fill="hold" grpId="0" nodeType="withEffect">
+                                  <p:stCondLst>
+                                    <p:cond delay="0"/>
+                                  </p:stCondLst>
+                                  <p:childTnLst>
+                                    <p:set>
+                                      <p:cBhvr>
+                                        <p:cTn id="12" dur="1" fill="hold">
+                                          <p:stCondLst>
+                                            <p:cond delay="0"/>
+                                          </p:stCondLst>
+                                        </p:cTn>
+                                        <p:tgtEl>
                                           <p:spTgt spid="10"/>
                                         </p:tgtEl>
                                         <p:attrNameLst>
@@ -10198,7 +10212,7 @@
                                     </p:set>
                                     <p:animEffect transition="in" filter="dissolve">
                                       <p:cBhvr>
-                                        <p:cTn id="10" dur="500"/>
+                                        <p:cTn id="13" dur="500"/>
                                         <p:tgtEl>
                                           <p:spTgt spid="10"/>
                                         </p:tgtEl>
@@ -10214,26 +10228,26 @@
                     </p:cTn>
                   </p:par>
                   <p:par>
-                    <p:cTn id="11" fill="hold">
+                    <p:cTn id="14" fill="hold">
                       <p:stCondLst>
                         <p:cond delay="indefinite"/>
                       </p:stCondLst>
                       <p:childTnLst>
                         <p:par>
-                          <p:cTn id="12" fill="hold">
+                          <p:cTn id="15" fill="hold">
                             <p:stCondLst>
                               <p:cond delay="0"/>
                             </p:stCondLst>
                             <p:childTnLst>
                               <p:par>
-                                <p:cTn id="13" presetID="53" presetClass="entr" presetSubtype="16" fill="hold" nodeType="clickEffect">
+                                <p:cTn id="16" presetID="53" presetClass="entr" presetSubtype="16" fill="hold" nodeType="clickEffect">
                                   <p:stCondLst>
                                     <p:cond delay="0"/>
                                   </p:stCondLst>
                                   <p:childTnLst>
                                     <p:set>
                                       <p:cBhvr>
-                                        <p:cTn id="14" dur="1" fill="hold">
+                                        <p:cTn id="17" dur="1" fill="hold">
                                           <p:stCondLst>
                                             <p:cond delay="0"/>
                                           </p:stCondLst>
@@ -10251,7 +10265,7 @@
                                     </p:set>
                                     <p:anim calcmode="lin" valueType="num">
                                       <p:cBhvr>
-                                        <p:cTn id="15" dur="500" fill="hold"/>
+                                        <p:cTn id="18" dur="500" fill="hold"/>
                                         <p:tgtEl>
                                           <p:spTgt spid="15"/>
                                         </p:tgtEl>
@@ -10274,7 +10288,7 @@
                                     </p:anim>
                                     <p:anim calcmode="lin" valueType="num">
                                       <p:cBhvr>
-                                        <p:cTn id="16" dur="500" fill="hold"/>
+                                        <p:cTn id="19" dur="500" fill="hold"/>
                                         <p:tgtEl>
                                           <p:spTgt spid="15"/>
                                         </p:tgtEl>
@@ -10297,7 +10311,7 @@
                                     </p:anim>
                                     <p:animEffect transition="in" filter="fade">
                                       <p:cBhvr>
-                                        <p:cTn id="17" dur="500"/>
+                                        <p:cTn id="20" dur="500"/>
                                         <p:tgtEl>
                                           <p:spTgt spid="15"/>
                                         </p:tgtEl>
@@ -10313,26 +10327,26 @@
                     </p:cTn>
                   </p:par>
                   <p:par>
-                    <p:cTn id="18" fill="hold">
+                    <p:cTn id="21" fill="hold">
                       <p:stCondLst>
                         <p:cond delay="indefinite"/>
                       </p:stCondLst>
                       <p:childTnLst>
                         <p:par>
-                          <p:cTn id="19" fill="hold">
+                          <p:cTn id="22" fill="hold">
                             <p:stCondLst>
                               <p:cond delay="0"/>
                             </p:stCondLst>
                             <p:childTnLst>
                               <p:par>
-                                <p:cTn id="20" presetID="53" presetClass="entr" presetSubtype="16" fill="hold" nodeType="clickEffect">
+                                <p:cTn id="23" presetID="53" presetClass="entr" presetSubtype="16" fill="hold" nodeType="clickEffect">
                                   <p:stCondLst>
                                     <p:cond delay="0"/>
                                   </p:stCondLst>
                                   <p:childTnLst>
                                     <p:set>
                                       <p:cBhvr>
-                                        <p:cTn id="21" dur="1" fill="hold">
+                                        <p:cTn id="24" dur="1" fill="hold">
                                           <p:stCondLst>
                                             <p:cond delay="0"/>
                                           </p:stCondLst>
@@ -10350,7 +10364,7 @@
                                     </p:set>
                                     <p:anim calcmode="lin" valueType="num">
                                       <p:cBhvr>
-                                        <p:cTn id="22" dur="500" fill="hold"/>
+                                        <p:cTn id="25" dur="500" fill="hold"/>
                                         <p:tgtEl>
                                           <p:spTgt spid="12"/>
                                         </p:tgtEl>
@@ -10373,7 +10387,7 @@
                                     </p:anim>
                                     <p:anim calcmode="lin" valueType="num">
                                       <p:cBhvr>
-                                        <p:cTn id="23" dur="500" fill="hold"/>
+                                        <p:cTn id="26" dur="500" fill="hold"/>
                                         <p:tgtEl>
                                           <p:spTgt spid="12"/>
                                         </p:tgtEl>
@@ -10396,7 +10410,7 @@
                                     </p:anim>
                                     <p:animEffect transition="in" filter="fade">
                                       <p:cBhvr>
-                                        <p:cTn id="24" dur="500"/>
+                                        <p:cTn id="27" dur="500"/>
                                         <p:tgtEl>
                                           <p:spTgt spid="12"/>
                                         </p:tgtEl>
@@ -10412,26 +10426,26 @@
                     </p:cTn>
                   </p:par>
                   <p:par>
-                    <p:cTn id="25" fill="hold">
+                    <p:cTn id="28" fill="hold">
                       <p:stCondLst>
                         <p:cond delay="indefinite"/>
                       </p:stCondLst>
                       <p:childTnLst>
                         <p:par>
-                          <p:cTn id="26" fill="hold">
+                          <p:cTn id="29" fill="hold">
                             <p:stCondLst>
                               <p:cond delay="0"/>
                             </p:stCondLst>
                             <p:childTnLst>
                               <p:par>
-                                <p:cTn id="27" presetID="53" presetClass="entr" presetSubtype="16" fill="hold" nodeType="clickEffect">
+                                <p:cTn id="30" presetID="53" presetClass="entr" presetSubtype="16" fill="hold" nodeType="clickEffect">
                                   <p:stCondLst>
                                     <p:cond delay="0"/>
                                   </p:stCondLst>
                                   <p:childTnLst>
                                     <p:set>
                                       <p:cBhvr>
-                                        <p:cTn id="28" dur="1" fill="hold">
+                                        <p:cTn id="31" dur="1" fill="hold">
                                           <p:stCondLst>
                                             <p:cond delay="0"/>
                                           </p:stCondLst>
@@ -10449,7 +10463,7 @@
                                     </p:set>
                                     <p:anim calcmode="lin" valueType="num">
                                       <p:cBhvr>
-                                        <p:cTn id="29" dur="500" fill="hold"/>
+                                        <p:cTn id="32" dur="500" fill="hold"/>
                                         <p:tgtEl>
                                           <p:spTgt spid="13"/>
                                         </p:tgtEl>
@@ -10472,7 +10486,7 @@
                                     </p:anim>
                                     <p:anim calcmode="lin" valueType="num">
                                       <p:cBhvr>
-                                        <p:cTn id="30" dur="500" fill="hold"/>
+                                        <p:cTn id="33" dur="500" fill="hold"/>
                                         <p:tgtEl>
                                           <p:spTgt spid="13"/>
                                         </p:tgtEl>
@@ -10495,7 +10509,7 @@
                                     </p:anim>
                                     <p:animEffect transition="in" filter="fade">
                                       <p:cBhvr>
-                                        <p:cTn id="31" dur="500"/>
+                                        <p:cTn id="34" dur="500"/>
                                         <p:tgtEl>
                                           <p:spTgt spid="13"/>
                                         </p:tgtEl>
@@ -10511,26 +10525,26 @@
                     </p:cTn>
                   </p:par>
                   <p:par>
-                    <p:cTn id="32" fill="hold">
+                    <p:cTn id="35" fill="hold">
                       <p:stCondLst>
                         <p:cond delay="indefinite"/>
                       </p:stCondLst>
                       <p:childTnLst>
                         <p:par>
-                          <p:cTn id="33" fill="hold">
+                          <p:cTn id="36" fill="hold">
                             <p:stCondLst>
                               <p:cond delay="0"/>
                             </p:stCondLst>
                             <p:childTnLst>
                               <p:par>
-                                <p:cTn id="34" presetID="9" presetClass="entr" presetSubtype="0" fill="hold" grpId="0" nodeType="clickEffect">
+                                <p:cTn id="37" presetID="9" presetClass="entr" presetSubtype="0" fill="hold" grpId="0" nodeType="clickEffect">
                                   <p:stCondLst>
                                     <p:cond delay="0"/>
                                   </p:stCondLst>
                                   <p:childTnLst>
                                     <p:set>
                                       <p:cBhvr>
-                                        <p:cTn id="35" dur="1" fill="hold">
+                                        <p:cTn id="38" dur="1" fill="hold">
                                           <p:stCondLst>
                                             <p:cond delay="0"/>
                                           </p:stCondLst>
@@ -10548,57 +10562,12 @@
                                     </p:set>
                                     <p:animEffect transition="in" filter="dissolve">
                                       <p:cBhvr>
-                                        <p:cTn id="36" dur="500"/>
+                                        <p:cTn id="39" dur="500"/>
                                         <p:tgtEl>
                                           <p:spTgt spid="7"/>
                                         </p:tgtEl>
                                       </p:cBhvr>
                                     </p:animEffect>
-                                  </p:childTnLst>
-                                </p:cTn>
-                              </p:par>
-                            </p:childTnLst>
-                          </p:cTn>
-                        </p:par>
-                      </p:childTnLst>
-                    </p:cTn>
-                  </p:par>
-                  <p:par>
-                    <p:cTn id="37" fill="hold">
-                      <p:stCondLst>
-                        <p:cond delay="indefinite"/>
-                      </p:stCondLst>
-                      <p:childTnLst>
-                        <p:par>
-                          <p:cTn id="38" fill="hold">
-                            <p:stCondLst>
-                              <p:cond delay="0"/>
-                            </p:stCondLst>
-                            <p:childTnLst>
-                              <p:par>
-                                <p:cTn id="39" presetID="1" presetClass="entr" presetSubtype="0" fill="hold" grpId="0" nodeType="clickEffect">
-                                  <p:stCondLst>
-                                    <p:cond delay="0"/>
-                                  </p:stCondLst>
-                                  <p:childTnLst>
-                                    <p:set>
-                                      <p:cBhvr>
-                                        <p:cTn id="40" dur="1" fill="hold">
-                                          <p:stCondLst>
-                                            <p:cond delay="0"/>
-                                          </p:stCondLst>
-                                        </p:cTn>
-                                        <p:tgtEl>
-                                          <p:spTgt spid="8"/>
-                                        </p:tgtEl>
-                                        <p:attrNameLst>
-                                          <p:attrName>style.visibility</p:attrName>
-                                        </p:attrNameLst>
-                                      </p:cBhvr>
-                                      <p:to>
-                                        <p:strVal val="visible"/>
-                                      </p:to>
-                                    </p:set>
                                   </p:childTnLst>
                                 </p:cTn>
                               </p:par>
@@ -10633,7 +10602,7 @@
       <p:bldP spid="7" grpId="0" animBg="1"/>
       <p:bldP spid="9" grpId="0" animBg="1"/>
       <p:bldP spid="10" grpId="0" animBg="1"/>
-      <p:bldP spid="8" grpId="0" animBg="1"/>
+      <p:bldP spid="16" grpId="0" animBg="1"/>
     </p:bldLst>
   </p:timing>
 </p:sld>
@@ -15321,6 +15290,15 @@
 </file>
 
 <file path=customXml/item1.xml><?xml version="1.0" encoding="utf-8"?>
+<?mso-contentType ?>
+<FormTemplates xmlns="http://schemas.microsoft.com/sharepoint/v3/contenttype/forms">
+  <Display>DocumentLibraryForm</Display>
+  <Edit>DocumentLibraryForm</Edit>
+  <New>DocumentLibraryForm</New>
+</FormTemplates>
+</file>
+
+<file path=customXml/item2.xml><?xml version="1.0" encoding="utf-8"?>
 <ct:contentTypeSchema xmlns:ct="http://schemas.microsoft.com/office/2006/metadata/contentType" xmlns:ma="http://schemas.microsoft.com/office/2006/metadata/properties/metaAttributes" ct:_="" ma:_="" ma:contentTypeName="Document" ma:contentTypeID="0x010100074387D78AC76C4289401EF66FB51FCC" ma:contentTypeVersion="15" ma:contentTypeDescription="Create a new document." ma:contentTypeScope="" ma:versionID="d3659bec8b8330148a03d82a9d99f412">
   <xsd:schema xmlns:xsd="http://www.w3.org/2001/XMLSchema" xmlns:xs="http://www.w3.org/2001/XMLSchema" xmlns:p="http://schemas.microsoft.com/office/2006/metadata/properties" xmlns:ns3="92c41bee-f0ee-4aa6-9399-a35fbb883510" xmlns:ns4="e06ed288-fd75-4b50-bbed-f5a5df88c31c" targetNamespace="http://schemas.microsoft.com/office/2006/metadata/properties" ma:root="true" ma:fieldsID="1a21d371127b63848c9a2290f5945250" ns3:_="" ns4:_="">
     <xsd:import namespace="92c41bee-f0ee-4aa6-9399-a35fbb883510"/>
@@ -15555,15 +15533,6 @@
 </ct:contentTypeSchema>
 </file>
 
-<file path=customXml/item2.xml><?xml version="1.0" encoding="utf-8"?>
-<?mso-contentType ?>
-<FormTemplates xmlns="http://schemas.microsoft.com/sharepoint/v3/contenttype/forms">
-  <Display>DocumentLibraryForm</Display>
-  <Edit>DocumentLibraryForm</Edit>
-  <New>DocumentLibraryForm</New>
-</FormTemplates>
-</file>
-
 <file path=customXml/item3.xml><?xml version="1.0" encoding="utf-8"?>
 <p:properties xmlns:p="http://schemas.microsoft.com/office/2006/metadata/properties" xmlns:xsi="http://www.w3.org/2001/XMLSchema-instance" xmlns:pc="http://schemas.microsoft.com/office/infopath/2007/PartnerControls">
   <documentManagement>
@@ -15573,6 +15542,14 @@
 </file>
 
 <file path=customXml/itemProps1.xml><?xml version="1.0" encoding="utf-8"?>
+<ds:datastoreItem xmlns:ds="http://schemas.openxmlformats.org/officeDocument/2006/customXml" ds:itemID="{D3D48F67-2624-46E7-8219-470BF03B989E}">
+  <ds:schemaRefs>
+    <ds:schemaRef ds:uri="http://schemas.microsoft.com/sharepoint/v3/contenttype/forms"/>
+  </ds:schemaRefs>
+</ds:datastoreItem>
+</file>
+
+<file path=customXml/itemProps2.xml><?xml version="1.0" encoding="utf-8"?>
 <ds:datastoreItem xmlns:ds="http://schemas.openxmlformats.org/officeDocument/2006/customXml" ds:itemID="{FCEEF4F1-609D-4532-9E22-7D7A38CFD9CA}">
   <ds:schemaRefs>
     <ds:schemaRef ds:uri="http://schemas.microsoft.com/office/2006/metadata/contentType"/>
@@ -15591,26 +15568,18 @@
 </ds:datastoreItem>
 </file>
 
-<file path=customXml/itemProps2.xml><?xml version="1.0" encoding="utf-8"?>
-<ds:datastoreItem xmlns:ds="http://schemas.openxmlformats.org/officeDocument/2006/customXml" ds:itemID="{D3D48F67-2624-46E7-8219-470BF03B989E}">
-  <ds:schemaRefs>
-    <ds:schemaRef ds:uri="http://schemas.microsoft.com/sharepoint/v3/contenttype/forms"/>
-  </ds:schemaRefs>
-</ds:datastoreItem>
-</file>
-
 <file path=customXml/itemProps3.xml><?xml version="1.0" encoding="utf-8"?>
 <ds:datastoreItem xmlns:ds="http://schemas.openxmlformats.org/officeDocument/2006/customXml" ds:itemID="{115F2953-6FB4-4A31-83A6-1BF58A8CA7DB}">
   <ds:schemaRefs>
     <ds:schemaRef ds:uri="http://schemas.microsoft.com/office/2006/documentManagement/types"/>
-    <ds:schemaRef ds:uri="http://purl.org/dc/elements/1.1/"/>
     <ds:schemaRef ds:uri="http://schemas.microsoft.com/office/infopath/2007/PartnerControls"/>
+    <ds:schemaRef ds:uri="92c41bee-f0ee-4aa6-9399-a35fbb883510"/>
+    <ds:schemaRef ds:uri="http://purl.org/dc/dcmitype/"/>
     <ds:schemaRef ds:uri="http://www.w3.org/XML/1998/namespace"/>
     <ds:schemaRef ds:uri="http://purl.org/dc/terms/"/>
-    <ds:schemaRef ds:uri="http://purl.org/dc/dcmitype/"/>
+    <ds:schemaRef ds:uri="http://purl.org/dc/elements/1.1/"/>
+    <ds:schemaRef ds:uri="http://schemas.openxmlformats.org/package/2006/metadata/core-properties"/>
     <ds:schemaRef ds:uri="e06ed288-fd75-4b50-bbed-f5a5df88c31c"/>
-    <ds:schemaRef ds:uri="http://schemas.openxmlformats.org/package/2006/metadata/core-properties"/>
-    <ds:schemaRef ds:uri="92c41bee-f0ee-4aa6-9399-a35fbb883510"/>
     <ds:schemaRef ds:uri="http://schemas.microsoft.com/office/2006/metadata/properties"/>
   </ds:schemaRefs>
 </ds:datastoreItem>
